--- a/Presentation/Tristan Slides.pptx
+++ b/Presentation/Tristan Slides.pptx
@@ -19067,7 +19067,9 @@
         </p:nvSpPr>
         <p:spPr/>
         <p:txBody>
-          <a:bodyPr/>
+          <a:bodyPr>
+            <a:normAutofit/>
+          </a:bodyPr>
           <a:lstStyle/>
           <a:p>
             <a:endParaRPr lang="en-US" dirty="0"/>

--- a/Presentation/Tristan Slides.pptx
+++ b/Presentation/Tristan Slides.pptx
@@ -5,18 +5,20 @@
     <p:sldMasterId id="2147485011" r:id="rId4"/>
   </p:sldMasterIdLst>
   <p:notesMasterIdLst>
-    <p:notesMasterId r:id="rId6"/>
+    <p:notesMasterId r:id="rId8"/>
   </p:notesMasterIdLst>
   <p:handoutMasterIdLst>
-    <p:handoutMasterId r:id="rId7"/>
+    <p:handoutMasterId r:id="rId9"/>
   </p:handoutMasterIdLst>
   <p:sldIdLst>
     <p:sldId id="267" r:id="rId5"/>
+    <p:sldId id="268" r:id="rId6"/>
+    <p:sldId id="269" r:id="rId7"/>
   </p:sldIdLst>
   <p:sldSz cx="12192000" cy="6858000"/>
   <p:notesSz cx="6858000" cy="9144000"/>
   <p:custDataLst>
-    <p:tags r:id="rId8"/>
+    <p:tags r:id="rId10"/>
   </p:custDataLst>
   <p:defaultTextStyle>
     <a:defPPr>
@@ -19068,11 +19070,258 @@
         <p:spPr/>
         <p:txBody>
           <a:bodyPr>
-            <a:normAutofit/>
+            <a:normAutofit fontScale="32500" lnSpcReduction="20000"/>
           </a:bodyPr>
           <a:lstStyle/>
           <a:p>
+            <a:r>
+              <a:rPr lang="en-US" dirty="0"/>
+              <a:t>RQ1. Holding $N$ and mean degree $\</a:t>
+            </a:r>
+            <a:r>
+              <a:rPr lang="en-US" dirty="0" err="1"/>
+              <a:t>langle</a:t>
+            </a:r>
+            <a:r>
+              <a:rPr lang="en-US" dirty="0"/>
+              <a:t> k\</a:t>
+            </a:r>
+            <a:r>
+              <a:rPr lang="en-US" dirty="0" err="1"/>
+              <a:t>rangle</a:t>
+            </a:r>
+            <a:r>
+              <a:rPr lang="en-US" dirty="0"/>
+              <a:t>$ fixed, how does network architecture (e.g., lattice, ER, WS, BA, DC-SBM) affect long-run cooperation and local assortment?</a:t>
+            </a:r>
+          </a:p>
+          <a:p>
             <a:endParaRPr lang="en-US" dirty="0"/>
+          </a:p>
+          <a:p>
+            <a:r>
+              <a:rPr lang="en-US" dirty="0"/>
+              <a:t>Measurements.</a:t>
+            </a:r>
+          </a:p>
+          <a:p>
+            <a:r>
+              <a:rPr lang="en-US" dirty="0"/>
+              <a:t>- Long-run cooperation level $\bar{C}$.</a:t>
+            </a:r>
+          </a:p>
+          <a:p>
+            <a:r>
+              <a:rPr lang="en-US" dirty="0"/>
+              <a:t>- Neighbor cooperation (assortment). Let $\</a:t>
+            </a:r>
+            <a:r>
+              <a:rPr lang="en-US" dirty="0" err="1"/>
+              <a:t>mathcal</a:t>
+            </a:r>
+            <a:r>
+              <a:rPr lang="en-US" dirty="0"/>
+              <a:t>{N}(</a:t>
+            </a:r>
+            <a:r>
+              <a:rPr lang="en-US" dirty="0" err="1"/>
+              <a:t>i</a:t>
+            </a:r>
+            <a:r>
+              <a:rPr lang="en-US" dirty="0"/>
+              <a:t>)$ be neighbors of $</a:t>
+            </a:r>
+            <a:r>
+              <a:rPr lang="en-US" dirty="0" err="1"/>
+              <a:t>i</a:t>
+            </a:r>
+            <a:r>
+              <a:rPr lang="en-US" dirty="0"/>
+              <a:t>$ and $</a:t>
+            </a:r>
+            <a:r>
+              <a:rPr lang="en-US" dirty="0" err="1"/>
+              <a:t>k_i</a:t>
+            </a:r>
+            <a:r>
+              <a:rPr lang="en-US" dirty="0"/>
+              <a:t>=|\</a:t>
+            </a:r>
+            <a:r>
+              <a:rPr lang="en-US" dirty="0" err="1"/>
+              <a:t>mathcal</a:t>
+            </a:r>
+            <a:r>
+              <a:rPr lang="en-US" dirty="0"/>
+              <a:t>{N}(</a:t>
+            </a:r>
+            <a:r>
+              <a:rPr lang="en-US" dirty="0" err="1"/>
+              <a:t>i</a:t>
+            </a:r>
+            <a:r>
+              <a:rPr lang="en-US" dirty="0"/>
+              <a:t>)|$. Define neighbor mean</a:t>
+            </a:r>
+          </a:p>
+          <a:p>
+            <a:endParaRPr lang="en-US" dirty="0"/>
+          </a:p>
+          <a:p>
+            <a:r>
+              <a:rPr lang="en-US" dirty="0"/>
+              <a:t>$$</a:t>
+            </a:r>
+          </a:p>
+          <a:p>
+            <a:r>
+              <a:rPr lang="en-US" dirty="0"/>
+              <a:t>\bar{x}_{\</a:t>
+            </a:r>
+            <a:r>
+              <a:rPr lang="en-US" dirty="0" err="1"/>
+              <a:t>mathcal</a:t>
+            </a:r>
+            <a:r>
+              <a:rPr lang="en-US" dirty="0"/>
+              <a:t>{N}(</a:t>
+            </a:r>
+            <a:r>
+              <a:rPr lang="en-US" dirty="0" err="1"/>
+              <a:t>i</a:t>
+            </a:r>
+            <a:r>
+              <a:rPr lang="en-US" dirty="0"/>
+              <a:t>)}(t)=\frac{1}{</a:t>
+            </a:r>
+            <a:r>
+              <a:rPr lang="en-US" dirty="0" err="1"/>
+              <a:t>k_i</a:t>
+            </a:r>
+            <a:r>
+              <a:rPr lang="en-US" dirty="0"/>
+              <a:t>} \sum_{j \in \</a:t>
+            </a:r>
+            <a:r>
+              <a:rPr lang="en-US" dirty="0" err="1"/>
+              <a:t>mathcal</a:t>
+            </a:r>
+            <a:r>
+              <a:rPr lang="en-US" dirty="0"/>
+              <a:t>{N}(</a:t>
+            </a:r>
+            <a:r>
+              <a:rPr lang="en-US" dirty="0" err="1"/>
+              <a:t>i</a:t>
+            </a:r>
+            <a:r>
+              <a:rPr lang="en-US" dirty="0"/>
+              <a:t>)} </a:t>
+            </a:r>
+            <a:r>
+              <a:rPr lang="en-US" dirty="0" err="1"/>
+              <a:t>x_j</a:t>
+            </a:r>
+            <a:r>
+              <a:rPr lang="en-US" dirty="0"/>
+              <a:t>(t) .</a:t>
+            </a:r>
+          </a:p>
+          <a:p>
+            <a:r>
+              <a:rPr lang="en-US" dirty="0"/>
+              <a:t>$$</a:t>
+            </a:r>
+          </a:p>
+          <a:p>
+            <a:endParaRPr lang="en-US" dirty="0"/>
+          </a:p>
+          <a:p>
+            <a:endParaRPr lang="en-US" dirty="0"/>
+          </a:p>
+          <a:p>
+            <a:r>
+              <a:rPr lang="en-US" dirty="0"/>
+              <a:t>Define Pearson correlation</a:t>
+            </a:r>
+          </a:p>
+          <a:p>
+            <a:endParaRPr lang="en-US" dirty="0"/>
+          </a:p>
+          <a:p>
+            <a:r>
+              <a:rPr lang="en-US" dirty="0"/>
+              <a:t>$$</a:t>
+            </a:r>
+          </a:p>
+          <a:p>
+            <a:r>
+              <a:rPr lang="en-US" dirty="0"/>
+              <a:t>r(t)=\</a:t>
+            </a:r>
+            <a:r>
+              <a:rPr lang="en-US" dirty="0" err="1"/>
+              <a:t>operatorname</a:t>
+            </a:r>
+            <a:r>
+              <a:rPr lang="en-US" dirty="0"/>
+              <a:t>{Corr}\left(</a:t>
+            </a:r>
+            <a:r>
+              <a:rPr lang="en-US" dirty="0" err="1"/>
+              <a:t>x_i</a:t>
+            </a:r>
+            <a:r>
+              <a:rPr lang="en-US" dirty="0"/>
+              <a:t>(t), \bar{x}_{\</a:t>
+            </a:r>
+            <a:r>
+              <a:rPr lang="en-US" dirty="0" err="1"/>
+              <a:t>mathcal</a:t>
+            </a:r>
+            <a:r>
+              <a:rPr lang="en-US" dirty="0"/>
+              <a:t>{N}(</a:t>
+            </a:r>
+            <a:r>
+              <a:rPr lang="en-US" dirty="0" err="1"/>
+              <a:t>i</a:t>
+            </a:r>
+            <a:r>
+              <a:rPr lang="en-US" dirty="0"/>
+              <a:t>)}(t)\right)_{</a:t>
+            </a:r>
+            <a:r>
+              <a:rPr lang="en-US" dirty="0" err="1"/>
+              <a:t>i</a:t>
+            </a:r>
+            <a:r>
+              <a:rPr lang="en-US" dirty="0"/>
+              <a:t>=1}^N .</a:t>
+            </a:r>
+          </a:p>
+          <a:p>
+            <a:r>
+              <a:rPr lang="en-US" dirty="0"/>
+              <a:t>$$</a:t>
+            </a:r>
+          </a:p>
+          <a:p>
+            <a:endParaRPr lang="en-US" dirty="0"/>
+          </a:p>
+          <a:p>
+            <a:r>
+              <a:rPr lang="en-US" dirty="0"/>
+              <a:t>- Report network statistics (as controls/mediators): clustering coefficient, average shortest path length (on the giant component), degree heterogeneity (e.g., $\</a:t>
+            </a:r>
+            <a:r>
+              <a:rPr lang="en-US" dirty="0" err="1"/>
+              <a:t>mathrm</a:t>
+            </a:r>
+            <a:r>
+              <a:rPr lang="en-US" dirty="0"/>
+              <a:t>{CV}(k)$ ), modularity (if applicable).</a:t>
+            </a:r>
           </a:p>
         </p:txBody>
       </p:sp>
@@ -19088,10 +19337,16 @@
         </p:nvSpPr>
         <p:spPr/>
         <p:txBody>
-          <a:bodyPr/>
+          <a:bodyPr>
+            <a:normAutofit fontScale="90000"/>
+          </a:bodyPr>
           <a:lstStyle/>
           <a:p>
-            <a:endParaRPr lang="en-US" dirty="0"/>
+            <a:r>
+              <a:rPr lang="en-GB" dirty="0"/>
+              <a:t>RQ1: How do payoff matrices and strategies interact with network structure in terms of the emergence of cooperation?</a:t>
+            </a:r>
+            <a:endParaRPr lang="en-GB" b="0" dirty="0"/>
           </a:p>
         </p:txBody>
       </p:sp>
@@ -19104,6 +19359,330 @@
   </p:cSld>
   <p:clrMapOvr>
     <a:overrideClrMapping bg1="lt1" tx1="dk1" bg2="lt2" tx2="dk2" accent1="accent1" accent2="accent2" accent3="accent3" accent4="accent4" accent5="accent5" accent6="accent6" hlink="hlink" folHlink="folHlink"/>
+  </p:clrMapOvr>
+</p:sld>
+</file>
+
+<file path=ppt/slides/slide2.xml><?xml version="1.0" encoding="utf-8"?>
+<p:sld xmlns:a="http://schemas.openxmlformats.org/drawingml/2006/main" xmlns:r="http://schemas.openxmlformats.org/officeDocument/2006/relationships" xmlns:p="http://schemas.openxmlformats.org/presentationml/2006/main">
+  <p:cSld>
+    <p:spTree>
+      <p:nvGrpSpPr>
+        <p:cNvPr id="1" name=""/>
+        <p:cNvGrpSpPr/>
+        <p:nvPr/>
+      </p:nvGrpSpPr>
+      <p:grpSpPr>
+        <a:xfrm>
+          <a:off x="0" y="0"/>
+          <a:ext cx="0" cy="0"/>
+          <a:chOff x="0" y="0"/>
+          <a:chExt cx="0" cy="0"/>
+        </a:xfrm>
+      </p:grpSpPr>
+      <p:sp>
+        <p:nvSpPr>
+          <p:cNvPr id="2" name="Content Placeholder 1">
+            <a:extLst>
+              <a:ext uri="{FF2B5EF4-FFF2-40B4-BE49-F238E27FC236}">
+                <a16:creationId xmlns:a16="http://schemas.microsoft.com/office/drawing/2014/main" id="{E53FC4FC-A246-571A-2064-8411EE6F167C}"/>
+              </a:ext>
+            </a:extLst>
+          </p:cNvPr>
+          <p:cNvSpPr>
+            <a:spLocks noGrp="1"/>
+          </p:cNvSpPr>
+          <p:nvPr>
+            <p:ph idx="1"/>
+          </p:nvPr>
+        </p:nvSpPr>
+        <p:spPr/>
+        <p:txBody>
+          <a:bodyPr>
+            <a:normAutofit lnSpcReduction="10000"/>
+          </a:bodyPr>
+          <a:lstStyle/>
+          <a:p>
+            <a:r>
+              <a:rPr lang="en-US" dirty="0"/>
+              <a:t>● Clustering helps: Networks with higher clustering support higher long-run cooperation</a:t>
+            </a:r>
+            <a:br>
+              <a:rPr lang="en-US" dirty="0"/>
+            </a:br>
+            <a:r>
+              <a:rPr lang="en-US" dirty="0"/>
+              <a:t>than random networks, holding average degree constant.</a:t>
+            </a:r>
+            <a:br>
+              <a:rPr lang="en-US" dirty="0"/>
+            </a:br>
+            <a:r>
+              <a:rPr lang="en-US" dirty="0"/>
+              <a:t>● Cooperation increases when cooperators connected to cooperators, measured by</a:t>
+            </a:r>
+            <a:br>
+              <a:rPr lang="en-US" dirty="0"/>
+            </a:br>
+            <a:r>
+              <a:rPr lang="en-US" dirty="0"/>
+              <a:t>positive covariance between an agent’s action and neighbor actions.</a:t>
+            </a:r>
+            <a:br>
+              <a:rPr lang="en-US" dirty="0"/>
+            </a:br>
+            <a:r>
+              <a:rPr lang="en-US" dirty="0"/>
+              <a:t>● There exists a parameter region where cooperative clusters transition from many</a:t>
+            </a:r>
+            <a:br>
+              <a:rPr lang="en-US" dirty="0"/>
+            </a:br>
+            <a:r>
+              <a:rPr lang="en-US" dirty="0"/>
+              <a:t>small components to a giant connected cooperative component.</a:t>
+            </a:r>
+          </a:p>
+          <a:p>
+            <a:br>
+              <a:rPr lang="en-US" dirty="0"/>
+            </a:br>
+            <a:endParaRPr lang="en-US" dirty="0"/>
+          </a:p>
+          <a:p>
+            <a:endParaRPr lang="en-US" dirty="0"/>
+          </a:p>
+        </p:txBody>
+      </p:sp>
+      <p:sp>
+        <p:nvSpPr>
+          <p:cNvPr id="3" name="Title 2">
+            <a:extLst>
+              <a:ext uri="{FF2B5EF4-FFF2-40B4-BE49-F238E27FC236}">
+                <a16:creationId xmlns:a16="http://schemas.microsoft.com/office/drawing/2014/main" id="{34964F53-9A15-4FE3-0CC1-D5BF6B8210C6}"/>
+              </a:ext>
+            </a:extLst>
+          </p:cNvPr>
+          <p:cNvSpPr>
+            <a:spLocks noGrp="1"/>
+          </p:cNvSpPr>
+          <p:nvPr>
+            <p:ph type="title"/>
+          </p:nvPr>
+        </p:nvSpPr>
+        <p:spPr/>
+        <p:txBody>
+          <a:bodyPr/>
+          <a:lstStyle/>
+          <a:p>
+            <a:endParaRPr lang="en-US"/>
+          </a:p>
+        </p:txBody>
+      </p:sp>
+    </p:spTree>
+    <p:extLst>
+      <p:ext uri="{BB962C8B-B14F-4D97-AF65-F5344CB8AC3E}">
+        <p14:creationId xmlns:p14="http://schemas.microsoft.com/office/powerpoint/2010/main" val="1988263980"/>
+      </p:ext>
+    </p:extLst>
+  </p:cSld>
+  <p:clrMapOvr>
+    <a:masterClrMapping/>
+  </p:clrMapOvr>
+</p:sld>
+</file>
+
+<file path=ppt/slides/slide3.xml><?xml version="1.0" encoding="utf-8"?>
+<p:sld xmlns:a="http://schemas.openxmlformats.org/drawingml/2006/main" xmlns:r="http://schemas.openxmlformats.org/officeDocument/2006/relationships" xmlns:p="http://schemas.openxmlformats.org/presentationml/2006/main">
+  <p:cSld>
+    <p:spTree>
+      <p:nvGrpSpPr>
+        <p:cNvPr id="1" name=""/>
+        <p:cNvGrpSpPr/>
+        <p:nvPr/>
+      </p:nvGrpSpPr>
+      <p:grpSpPr>
+        <a:xfrm>
+          <a:off x="0" y="0"/>
+          <a:ext cx="0" cy="0"/>
+          <a:chOff x="0" y="0"/>
+          <a:chExt cx="0" cy="0"/>
+        </a:xfrm>
+      </p:grpSpPr>
+      <p:sp>
+        <p:nvSpPr>
+          <p:cNvPr id="2" name="Content Placeholder 1">
+            <a:extLst>
+              <a:ext uri="{FF2B5EF4-FFF2-40B4-BE49-F238E27FC236}">
+                <a16:creationId xmlns:a16="http://schemas.microsoft.com/office/drawing/2014/main" id="{223D4FCB-242F-03C4-EEE5-8EFC9A913D7A}"/>
+              </a:ext>
+            </a:extLst>
+          </p:cNvPr>
+          <p:cNvSpPr>
+            <a:spLocks noGrp="1"/>
+          </p:cNvSpPr>
+          <p:nvPr>
+            <p:ph idx="1"/>
+          </p:nvPr>
+        </p:nvSpPr>
+        <p:spPr/>
+        <p:txBody>
+          <a:bodyPr>
+            <a:normAutofit fontScale="77500" lnSpcReduction="20000"/>
+          </a:bodyPr>
+          <a:lstStyle/>
+          <a:p>
+            <a:r>
+              <a:rPr lang="en-GB" dirty="0"/>
+              <a:t>Short description</a:t>
+            </a:r>
+            <a:br>
+              <a:rPr lang="en-GB" dirty="0"/>
+            </a:br>
+            <a:r>
+              <a:rPr lang="en-GB" dirty="0"/>
+              <a:t>Studying the emergence of cooperation through simulation of the iterated prisoner’s dilemma</a:t>
+            </a:r>
+            <a:br>
+              <a:rPr lang="en-GB" dirty="0"/>
+            </a:br>
+            <a:r>
+              <a:rPr lang="en-GB" dirty="0"/>
+              <a:t>on networks with varying architectures (e.g., grid, Erdős–Rényi, small-world, DC-SBM). We</a:t>
+            </a:r>
+            <a:br>
+              <a:rPr lang="en-GB" dirty="0"/>
+            </a:br>
+            <a:r>
+              <a:rPr lang="en-GB" dirty="0"/>
+              <a:t>will vary initial conditions, agent strategies (e.g., Tit-for-Tat, imitation/mimesis), and payoff</a:t>
+            </a:r>
+            <a:br>
+              <a:rPr lang="en-GB" dirty="0"/>
+            </a:br>
+            <a:r>
+              <a:rPr lang="en-GB" dirty="0"/>
+              <a:t>parameters, and measure how these choices affect the formation, size, and persistence of</a:t>
+            </a:r>
+            <a:br>
+              <a:rPr lang="en-GB" dirty="0"/>
+            </a:br>
+            <a:r>
+              <a:rPr lang="en-GB" dirty="0"/>
+              <a:t>cooperative clusters. If time allows, we will also look into endogenous rewiring (cooperative</a:t>
+            </a:r>
+            <a:br>
+              <a:rPr lang="en-GB" dirty="0"/>
+            </a:br>
+            <a:r>
+              <a:rPr lang="en-GB" dirty="0"/>
+              <a:t>nodes preferentially attaching to each-other) and its implications (such as potential SOC).</a:t>
+            </a:r>
+            <a:br>
+              <a:rPr lang="en-GB" dirty="0"/>
+            </a:br>
+            <a:r>
+              <a:rPr lang="en-GB" dirty="0"/>
+              <a:t>Research questions and hypotheses</a:t>
+            </a:r>
+            <a:br>
+              <a:rPr lang="en-GB" dirty="0"/>
+            </a:br>
+            <a:r>
+              <a:rPr lang="en-GB" dirty="0"/>
+              <a:t>Can sustained cooperative behaviour emerge endogenously from networked interactions?</a:t>
+            </a:r>
+            <a:br>
+              <a:rPr lang="en-GB" dirty="0"/>
+            </a:br>
+            <a:r>
+              <a:rPr lang="en-GB" dirty="0"/>
+              <a:t>● What are the requirements for such emergence?</a:t>
+            </a:r>
+            <a:br>
+              <a:rPr lang="en-GB" dirty="0"/>
+            </a:br>
+            <a:r>
+              <a:rPr lang="en-GB" dirty="0"/>
+              <a:t>● Which network architectures are more or less suited for emerging cooperation?</a:t>
+            </a:r>
+            <a:br>
+              <a:rPr lang="en-GB" dirty="0"/>
+            </a:br>
+            <a:r>
+              <a:rPr lang="en-GB" dirty="0"/>
+              <a:t>● How does the cluster size of cooperating clusters change?</a:t>
+            </a:r>
+            <a:br>
+              <a:rPr lang="en-GB" dirty="0"/>
+            </a:br>
+            <a:r>
+              <a:rPr lang="en-GB" dirty="0"/>
+              <a:t>● Are there critical points or phase transitions?</a:t>
+            </a:r>
+            <a:br>
+              <a:rPr lang="en-GB" dirty="0"/>
+            </a:br>
+            <a:r>
+              <a:rPr lang="en-GB" dirty="0"/>
+              <a:t>● Does percolation appear for certain parameter levels? If so, which?</a:t>
+            </a:r>
+            <a:br>
+              <a:rPr lang="en-GB" dirty="0"/>
+            </a:br>
+            <a:r>
+              <a:rPr lang="en-GB" dirty="0"/>
+              <a:t>● How do network structure and parameters affect the correlation/covariance between</a:t>
+            </a:r>
+            <a:br>
+              <a:rPr lang="en-GB" dirty="0"/>
+            </a:br>
+            <a:r>
+              <a:rPr lang="en-GB" dirty="0"/>
+              <a:t>an agent’s cooperation and the cooperation of its </a:t>
+            </a:r>
+            <a:r>
+              <a:rPr lang="en-GB" dirty="0" err="1"/>
+              <a:t>neighbors</a:t>
+            </a:r>
+            <a:endParaRPr lang="en-US" dirty="0"/>
+          </a:p>
+        </p:txBody>
+      </p:sp>
+      <p:sp>
+        <p:nvSpPr>
+          <p:cNvPr id="3" name="Title 2">
+            <a:extLst>
+              <a:ext uri="{FF2B5EF4-FFF2-40B4-BE49-F238E27FC236}">
+                <a16:creationId xmlns:a16="http://schemas.microsoft.com/office/drawing/2014/main" id="{8277FEE6-D4D1-8A22-4C6C-BA4DBD40C983}"/>
+              </a:ext>
+            </a:extLst>
+          </p:cNvPr>
+          <p:cNvSpPr>
+            <a:spLocks noGrp="1"/>
+          </p:cNvSpPr>
+          <p:nvPr>
+            <p:ph type="title"/>
+          </p:nvPr>
+        </p:nvSpPr>
+        <p:spPr/>
+        <p:txBody>
+          <a:bodyPr/>
+          <a:lstStyle/>
+          <a:p>
+            <a:endParaRPr lang="en-US"/>
+          </a:p>
+        </p:txBody>
+      </p:sp>
+    </p:spTree>
+    <p:extLst>
+      <p:ext uri="{BB962C8B-B14F-4D97-AF65-F5344CB8AC3E}">
+        <p14:creationId xmlns:p14="http://schemas.microsoft.com/office/powerpoint/2010/main" val="457993412"/>
+      </p:ext>
+    </p:extLst>
+  </p:cSld>
+  <p:clrMapOvr>
+    <a:masterClrMapping/>
   </p:clrMapOvr>
 </p:sld>
 </file>
@@ -19892,6 +20471,12 @@
 </file>
 
 <file path=customXml/item2.xml><?xml version="1.0" encoding="utf-8"?>
+<p:properties xmlns:p="http://schemas.microsoft.com/office/2006/metadata/properties" xmlns:xsi="http://www.w3.org/2001/XMLSchema-instance" xmlns:pc="http://schemas.microsoft.com/office/infopath/2007/PartnerControls">
+  <documentManagement/>
+</p:properties>
+</file>
+
+<file path=customXml/item3.xml><?xml version="1.0" encoding="utf-8"?>
 <ct:contentTypeSchema xmlns:ct="http://schemas.microsoft.com/office/2006/metadata/contentType" xmlns:ma="http://schemas.microsoft.com/office/2006/metadata/properties/metaAttributes" ct:_="" ma:_="" ma:contentTypeName="Document" ma:contentTypeID="0x010100A5EB26C7979E7242A3043123CA461D04" ma:contentTypeVersion="4" ma:contentTypeDescription="Een nieuw document maken." ma:contentTypeScope="" ma:versionID="947128032fa33d4217b1c9b8a9506e64">
   <xsd:schema xmlns:xsd="http://www.w3.org/2001/XMLSchema" xmlns:xs="http://www.w3.org/2001/XMLSchema" xmlns:p="http://schemas.microsoft.com/office/2006/metadata/properties" xmlns:ns2="2014d3d7-ed9a-405e-96dc-0a26f9a75b1e" targetNamespace="http://schemas.microsoft.com/office/2006/metadata/properties" ma:root="true" ma:fieldsID="a9155798b549f333f86d83e0e3ced9ae" ns2:_="">
     <xsd:import namespace="2014d3d7-ed9a-405e-96dc-0a26f9a75b1e"/>
@@ -20035,12 +20620,6 @@
 </ct:contentTypeSchema>
 </file>
 
-<file path=customXml/item3.xml><?xml version="1.0" encoding="utf-8"?>
-<p:properties xmlns:p="http://schemas.microsoft.com/office/2006/metadata/properties" xmlns:xsi="http://www.w3.org/2001/XMLSchema-instance" xmlns:pc="http://schemas.microsoft.com/office/infopath/2007/PartnerControls">
-  <documentManagement/>
-</p:properties>
-</file>
-
 <file path=customXml/itemProps1.xml><?xml version="1.0" encoding="utf-8"?>
 <ds:datastoreItem xmlns:ds="http://schemas.openxmlformats.org/officeDocument/2006/customXml" ds:itemID="{E740B4EE-7306-4015-AD25-B4E5484321A5}">
   <ds:schemaRefs>
@@ -20050,6 +20629,23 @@
 </file>
 
 <file path=customXml/itemProps2.xml><?xml version="1.0" encoding="utf-8"?>
+<ds:datastoreItem xmlns:ds="http://schemas.openxmlformats.org/officeDocument/2006/customXml" ds:itemID="{69DA0326-C6F9-40A3-894F-6061EE46E132}">
+  <ds:schemaRefs>
+    <ds:schemaRef ds:uri="http://schemas.microsoft.com/office/2006/metadata/properties"/>
+    <ds:schemaRef ds:uri="f2760952-b3bb-408f-ace6-eb1e07642b86"/>
+    <ds:schemaRef ds:uri="http://purl.org/dc/terms/"/>
+    <ds:schemaRef ds:uri="http://schemas.openxmlformats.org/package/2006/metadata/core-properties"/>
+    <ds:schemaRef ds:uri="http://schemas.microsoft.com/office/2006/documentManagement/types"/>
+    <ds:schemaRef ds:uri="62260777-03a2-4acd-8b7f-b7cc27a56620"/>
+    <ds:schemaRef ds:uri="http://purl.org/dc/elements/1.1/"/>
+    <ds:schemaRef ds:uri="http://schemas.microsoft.com/office/infopath/2007/PartnerControls"/>
+    <ds:schemaRef ds:uri="http://www.w3.org/XML/1998/namespace"/>
+    <ds:schemaRef ds:uri="http://purl.org/dc/dcmitype/"/>
+  </ds:schemaRefs>
+</ds:datastoreItem>
+</file>
+
+<file path=customXml/itemProps3.xml><?xml version="1.0" encoding="utf-8"?>
 <ds:datastoreItem xmlns:ds="http://schemas.openxmlformats.org/officeDocument/2006/customXml" ds:itemID="{0FAB4FB0-A6B2-4ED4-9E43-2042FF563FD8}">
   <ds:schemaRefs>
     <ds:schemaRef ds:uri="http://schemas.microsoft.com/office/2006/metadata/contentType"/>
@@ -20065,21 +20661,4 @@
     <ds:schemaRef ds:uri="http://schemas.microsoft.com/internal/obd"/>
   </ds:schemaRefs>
 </ds:datastoreItem>
-</file>
-
-<file path=customXml/itemProps3.xml><?xml version="1.0" encoding="utf-8"?>
-<ds:datastoreItem xmlns:ds="http://schemas.openxmlformats.org/officeDocument/2006/customXml" ds:itemID="{69DA0326-C6F9-40A3-894F-6061EE46E132}">
-  <ds:schemaRefs>
-    <ds:schemaRef ds:uri="http://schemas.microsoft.com/office/2006/metadata/properties"/>
-    <ds:schemaRef ds:uri="f2760952-b3bb-408f-ace6-eb1e07642b86"/>
-    <ds:schemaRef ds:uri="http://purl.org/dc/terms/"/>
-    <ds:schemaRef ds:uri="http://schemas.openxmlformats.org/package/2006/metadata/core-properties"/>
-    <ds:schemaRef ds:uri="http://schemas.microsoft.com/office/2006/documentManagement/types"/>
-    <ds:schemaRef ds:uri="62260777-03a2-4acd-8b7f-b7cc27a56620"/>
-    <ds:schemaRef ds:uri="http://purl.org/dc/elements/1.1/"/>
-    <ds:schemaRef ds:uri="http://schemas.microsoft.com/office/infopath/2007/PartnerControls"/>
-    <ds:schemaRef ds:uri="http://www.w3.org/XML/1998/namespace"/>
-    <ds:schemaRef ds:uri="http://purl.org/dc/dcmitype/"/>
-  </ds:schemaRefs>
-</ds:datastoreItem>
 </file>
--- a/Presentation/Tristan Slides.pptx
+++ b/Presentation/Tristan Slides.pptx
@@ -5,20 +5,21 @@
     <p:sldMasterId id="2147485011" r:id="rId4"/>
   </p:sldMasterIdLst>
   <p:notesMasterIdLst>
-    <p:notesMasterId r:id="rId8"/>
+    <p:notesMasterId r:id="rId9"/>
   </p:notesMasterIdLst>
   <p:handoutMasterIdLst>
-    <p:handoutMasterId r:id="rId9"/>
+    <p:handoutMasterId r:id="rId10"/>
   </p:handoutMasterIdLst>
   <p:sldIdLst>
     <p:sldId id="267" r:id="rId5"/>
-    <p:sldId id="268" r:id="rId6"/>
-    <p:sldId id="269" r:id="rId7"/>
+    <p:sldId id="270" r:id="rId6"/>
+    <p:sldId id="268" r:id="rId7"/>
+    <p:sldId id="269" r:id="rId8"/>
   </p:sldIdLst>
   <p:sldSz cx="12192000" cy="6858000"/>
   <p:notesSz cx="6858000" cy="9144000"/>
   <p:custDataLst>
-    <p:tags r:id="rId10"/>
+    <p:tags r:id="rId11"/>
   </p:custDataLst>
   <p:defaultTextStyle>
     <a:defPPr>
@@ -19385,6 +19386,1289 @@
           <p:cNvPr id="2" name="Content Placeholder 1">
             <a:extLst>
               <a:ext uri="{FF2B5EF4-FFF2-40B4-BE49-F238E27FC236}">
+                <a16:creationId xmlns:a16="http://schemas.microsoft.com/office/drawing/2014/main" id="{8E7CBC93-0832-0478-6A06-5CF6E05433DF}"/>
+              </a:ext>
+            </a:extLst>
+          </p:cNvPr>
+          <p:cNvSpPr>
+            <a:spLocks noGrp="1"/>
+          </p:cNvSpPr>
+          <p:nvPr>
+            <p:ph idx="1"/>
+          </p:nvPr>
+        </p:nvSpPr>
+        <p:spPr/>
+        <p:txBody>
+          <a:bodyPr>
+            <a:normAutofit fontScale="25000" lnSpcReduction="20000"/>
+          </a:bodyPr>
+          <a:lstStyle/>
+          <a:p>
+            <a:r>
+              <a:rPr lang="en-US" dirty="0"/>
+              <a:t>The simulations show that cooperation is a dynamical regime that appears when either (</a:t>
+            </a:r>
+            <a:r>
+              <a:rPr lang="en-US" dirty="0" err="1"/>
+              <a:t>i</a:t>
+            </a:r>
+            <a:r>
+              <a:rPr lang="en-US" dirty="0"/>
+              <a:t>) the game incentives structurally support coexistence (Snowdrift), or (ii) the strategy rule enforces reciprocity over time (Tit-for-Tat). In contrast, under Default Prisoner’s-Dilemma-like incentives with payoff-driven adaptation, the system reliably collapses toward all-defection, often as an absorbing-state process. Network topology matters mainly by shaping the geometry and spatial form of cooperation, not by determining whether cooperation is viable in the first place.</a:t>
+            </a:r>
+          </a:p>
+          <a:p>
+            <a:br>
+              <a:rPr lang="en-US" dirty="0"/>
+            </a:br>
+            <a:endParaRPr lang="en-US" dirty="0"/>
+          </a:p>
+          <a:p>
+            <a:r>
+              <a:rPr lang="en-US" dirty="0"/>
+              <a:t>⸻</a:t>
+            </a:r>
+          </a:p>
+          <a:p>
+            <a:br>
+              <a:rPr lang="en-US" dirty="0"/>
+            </a:br>
+            <a:endParaRPr lang="en-US" dirty="0"/>
+          </a:p>
+          <a:p>
+            <a:r>
+              <a:rPr lang="en-US" dirty="0"/>
+              <a:t>### Axis A — Game incentives: PD vs Snowdrift</a:t>
+            </a:r>
+          </a:p>
+          <a:p>
+            <a:br>
+              <a:rPr lang="en-US" dirty="0"/>
+            </a:br>
+            <a:endParaRPr lang="en-US" dirty="0"/>
+          </a:p>
+          <a:p>
+            <a:r>
+              <a:rPr lang="en-US" dirty="0"/>
+              <a:t>#### Default (Prisoner’s Dilemma-like)</a:t>
+            </a:r>
+          </a:p>
+          <a:p>
+            <a:br>
+              <a:rPr lang="en-US" dirty="0"/>
+            </a:br>
+            <a:endParaRPr lang="en-US" dirty="0"/>
+          </a:p>
+          <a:p>
+            <a:r>
+              <a:rPr lang="en-US" dirty="0"/>
+              <a:t>- Defection is structurally favored (one-shot incentive logic).</a:t>
+            </a:r>
+          </a:p>
+          <a:p>
+            <a:r>
+              <a:rPr lang="en-US" dirty="0"/>
+              <a:t>- Under payoff-driven adaptation, the system tends toward an all-defect absorbing state.</a:t>
+            </a:r>
+          </a:p>
+          <a:p>
+            <a:r>
+              <a:rPr lang="en-US" dirty="0"/>
+              <a:t>- Once the system hits all-D, there is no mechanism to reintroduce cooperation.</a:t>
+            </a:r>
+          </a:p>
+          <a:p>
+            <a:r>
+              <a:rPr lang="en-US" dirty="0"/>
+              <a:t>- Small cooperative “droplets” cannot nucleate and grow.</a:t>
+            </a:r>
+          </a:p>
+          <a:p>
+            <a:br>
+              <a:rPr lang="en-US" dirty="0"/>
+            </a:br>
+            <a:endParaRPr lang="en-US" dirty="0"/>
+          </a:p>
+          <a:p>
+            <a:r>
+              <a:rPr lang="en-US" dirty="0"/>
+              <a:t>**Interpretation:** </a:t>
+            </a:r>
+          </a:p>
+          <a:p>
+            <a:r>
+              <a:rPr lang="en-US" dirty="0"/>
+              <a:t>Default PD wants fixation (typically all-D), and payoff-based learning rules amplify that.</a:t>
+            </a:r>
+          </a:p>
+          <a:p>
+            <a:br>
+              <a:rPr lang="en-US" dirty="0"/>
+            </a:br>
+            <a:endParaRPr lang="en-US" dirty="0"/>
+          </a:p>
+          <a:p>
+            <a:r>
+              <a:rPr lang="en-US" dirty="0"/>
+              <a:t>⸻</a:t>
+            </a:r>
+          </a:p>
+          <a:p>
+            <a:br>
+              <a:rPr lang="en-US" dirty="0"/>
+            </a:br>
+            <a:endParaRPr lang="en-US" dirty="0"/>
+          </a:p>
+          <a:p>
+            <a:r>
+              <a:rPr lang="en-US" dirty="0"/>
+              <a:t>#### Snowdrift (Hawk–Dove / Chicken)</a:t>
+            </a:r>
+          </a:p>
+          <a:p>
+            <a:br>
+              <a:rPr lang="en-US" dirty="0"/>
+            </a:br>
+            <a:endParaRPr lang="en-US" dirty="0"/>
+          </a:p>
+          <a:p>
+            <a:r>
+              <a:rPr lang="en-US" dirty="0"/>
+              <a:t>- Cooperation and defection are both locally viable, depending on neighborhood composition.</a:t>
+            </a:r>
+          </a:p>
+          <a:p>
+            <a:r>
+              <a:rPr lang="en-US" dirty="0"/>
+              <a:t>- Payoffs are frequency-dependent:</a:t>
+            </a:r>
+          </a:p>
+          <a:p>
+            <a:r>
+              <a:rPr lang="en-US" dirty="0"/>
+              <a:t>- if surrounded by cooperators, defection does well,</a:t>
+            </a:r>
+          </a:p>
+          <a:p>
+            <a:r>
+              <a:rPr lang="en-US" dirty="0"/>
+              <a:t>- if surrounded by defectors, cooperation does well.</a:t>
+            </a:r>
+          </a:p>
+          <a:p>
+            <a:r>
+              <a:rPr lang="en-US" dirty="0"/>
+              <a:t>- This creates a restoring force toward a stable interior mix → persistent coexistence.</a:t>
+            </a:r>
+          </a:p>
+          <a:p>
+            <a:r>
+              <a:rPr lang="en-US" dirty="0"/>
+              <a:t>- The system stabilizes into a mixed equilibrium (high mean cooperation, not fixation).</a:t>
+            </a:r>
+          </a:p>
+          <a:p>
+            <a:br>
+              <a:rPr lang="en-US" dirty="0"/>
+            </a:br>
+            <a:endParaRPr lang="en-US" dirty="0"/>
+          </a:p>
+          <a:p>
+            <a:r>
+              <a:rPr lang="en-US" dirty="0"/>
+              <a:t>**Interpretation:** </a:t>
+            </a:r>
+          </a:p>
+          <a:p>
+            <a:r>
+              <a:rPr lang="en-US" dirty="0"/>
+              <a:t>Snowdrift wants coexistence (mixed equilibrium), producing an active phase with persistent turnover.</a:t>
+            </a:r>
+          </a:p>
+          <a:p>
+            <a:br>
+              <a:rPr lang="en-US" dirty="0"/>
+            </a:br>
+            <a:endParaRPr lang="en-US" dirty="0"/>
+          </a:p>
+          <a:p>
+            <a:r>
+              <a:rPr lang="en-US" dirty="0"/>
+              <a:t>⸻</a:t>
+            </a:r>
+          </a:p>
+          <a:p>
+            <a:br>
+              <a:rPr lang="en-US" dirty="0"/>
+            </a:br>
+            <a:endParaRPr lang="en-US" dirty="0"/>
+          </a:p>
+          <a:p>
+            <a:r>
+              <a:rPr lang="en-US" dirty="0"/>
+              <a:t>### Axis B — Update rule: imitation/RL vs Tit-for-Tat</a:t>
+            </a:r>
+          </a:p>
+          <a:p>
+            <a:br>
+              <a:rPr lang="en-US" dirty="0"/>
+            </a:br>
+            <a:endParaRPr lang="en-US" dirty="0"/>
+          </a:p>
+          <a:p>
+            <a:r>
+              <a:rPr lang="en-US" dirty="0"/>
+              <a:t>#### Imitation (payoff-based copying) = local selection / replicator-like dynamics</a:t>
+            </a:r>
+          </a:p>
+          <a:p>
+            <a:br>
+              <a:rPr lang="en-US" dirty="0"/>
+            </a:br>
+            <a:endParaRPr lang="en-US" dirty="0"/>
+          </a:p>
+          <a:p>
+            <a:r>
+              <a:rPr lang="en-US" dirty="0"/>
+              <a:t>- Strategies spread if they earn higher payoff locally.</a:t>
+            </a:r>
+          </a:p>
+          <a:p>
+            <a:r>
+              <a:rPr lang="en-US" dirty="0"/>
+              <a:t>- It strongly amplifies the game’s equilibrium attractor:</a:t>
+            </a:r>
+          </a:p>
+          <a:p>
+            <a:r>
+              <a:rPr lang="en-US" dirty="0"/>
+              <a:t>- Default + imitation → rapid sweep to defection</a:t>
+            </a:r>
+          </a:p>
+          <a:p>
+            <a:r>
+              <a:rPr lang="en-US" dirty="0"/>
+              <a:t>- Snowdrift + imitation → stable mixed population (no fixation)</a:t>
+            </a:r>
+          </a:p>
+          <a:p>
+            <a:br>
+              <a:rPr lang="en-US" dirty="0"/>
+            </a:br>
+            <a:endParaRPr lang="en-US" dirty="0"/>
+          </a:p>
+          <a:p>
+            <a:r>
+              <a:rPr lang="en-US" dirty="0"/>
+              <a:t>**Interpretation:** </a:t>
+            </a:r>
+          </a:p>
+          <a:p>
+            <a:r>
+              <a:rPr lang="en-US" dirty="0"/>
+              <a:t>Imitation is a selection-pressure amplifier: it does not create </a:t>
+            </a:r>
+            <a:r>
+              <a:rPr lang="en-US" dirty="0" err="1"/>
+              <a:t>prosociality</a:t>
+            </a:r>
+            <a:r>
+              <a:rPr lang="en-US" dirty="0"/>
+              <a:t>, it reproduces incentives.</a:t>
+            </a:r>
+          </a:p>
+          <a:p>
+            <a:br>
+              <a:rPr lang="en-US" dirty="0"/>
+            </a:br>
+            <a:endParaRPr lang="en-US" dirty="0"/>
+          </a:p>
+          <a:p>
+            <a:r>
+              <a:rPr lang="en-US" dirty="0"/>
+              <a:t>⸻</a:t>
+            </a:r>
+          </a:p>
+          <a:p>
+            <a:br>
+              <a:rPr lang="en-US" dirty="0"/>
+            </a:br>
+            <a:endParaRPr lang="en-US" dirty="0"/>
+          </a:p>
+          <a:p>
+            <a:r>
+              <a:rPr lang="en-US" dirty="0"/>
+              <a:t>#### Reinforcement Learning (RL): “learning is not pro-social, it is pro-payoff”</a:t>
+            </a:r>
+          </a:p>
+          <a:p>
+            <a:br>
+              <a:rPr lang="en-US" dirty="0"/>
+            </a:br>
+            <a:endParaRPr lang="en-US" dirty="0"/>
+          </a:p>
+          <a:p>
+            <a:r>
+              <a:rPr lang="en-US" dirty="0"/>
+              <a:t>- Snowdrift + RL → high cooperation across architectures (expected, since mutual defection isn’t the dominant attractor).</a:t>
+            </a:r>
+          </a:p>
+          <a:p>
+            <a:r>
+              <a:rPr lang="en-US" dirty="0"/>
+              <a:t>- Default + RL → near-zero cooperation (tiny bars ~0.00–0.06), matching true PD logic:</a:t>
+            </a:r>
+          </a:p>
+          <a:p>
+            <a:r>
+              <a:rPr lang="en-US" dirty="0"/>
+              <a:t>- defection strictly dominates in one-shot payoff terms</a:t>
+            </a:r>
+          </a:p>
+          <a:p>
+            <a:r>
+              <a:rPr lang="en-US" dirty="0"/>
+              <a:t>- without reciprocity enforcement, learning pushes toward defection</a:t>
+            </a:r>
+          </a:p>
+          <a:p>
+            <a:br>
+              <a:rPr lang="en-US" dirty="0"/>
+            </a:br>
+            <a:endParaRPr lang="en-US" dirty="0"/>
+          </a:p>
+          <a:p>
+            <a:r>
+              <a:rPr lang="en-US" dirty="0"/>
+              <a:t>**Interpretation:** </a:t>
+            </a:r>
+          </a:p>
+          <a:p>
+            <a:r>
+              <a:rPr lang="en-US" dirty="0"/>
+              <a:t>RL reproduces the equilibrium structure of the game; it does not generate cooperation intrinsically.</a:t>
+            </a:r>
+          </a:p>
+          <a:p>
+            <a:br>
+              <a:rPr lang="en-US" dirty="0"/>
+            </a:br>
+            <a:endParaRPr lang="en-US" dirty="0"/>
+          </a:p>
+          <a:p>
+            <a:r>
+              <a:rPr lang="en-US" dirty="0"/>
+              <a:t>⸻</a:t>
+            </a:r>
+          </a:p>
+          <a:p>
+            <a:br>
+              <a:rPr lang="en-US" dirty="0"/>
+            </a:br>
+            <a:endParaRPr lang="en-US" dirty="0"/>
+          </a:p>
+          <a:p>
+            <a:r>
+              <a:rPr lang="en-US" dirty="0"/>
+              <a:t>#### Tit-for-Tat (TFT) = reciprocity enforcement in repeated play</a:t>
+            </a:r>
+          </a:p>
+          <a:p>
+            <a:br>
+              <a:rPr lang="en-US" dirty="0"/>
+            </a:br>
+            <a:endParaRPr lang="en-US" dirty="0"/>
+          </a:p>
+          <a:p>
+            <a:r>
+              <a:rPr lang="en-US" dirty="0"/>
+              <a:t>- TFT changes the effective payoff landscape over time:</a:t>
+            </a:r>
+          </a:p>
+          <a:p>
+            <a:r>
+              <a:rPr lang="en-US" dirty="0"/>
+              <a:t>- defection is no longer a one-way exploit</a:t>
+            </a:r>
+          </a:p>
+          <a:p>
+            <a:r>
+              <a:rPr lang="en-US" dirty="0"/>
+              <a:t>- retaliation removes the free lunch</a:t>
+            </a:r>
+          </a:p>
+          <a:p>
+            <a:r>
+              <a:rPr lang="en-US" dirty="0"/>
+              <a:t>- defectors can’t exploit indefinitely</a:t>
+            </a:r>
+          </a:p>
+          <a:p>
+            <a:r>
+              <a:rPr lang="en-US" dirty="0"/>
+              <a:t>- Default + TFT → cooperation survives at substantial levels</a:t>
+            </a:r>
+          </a:p>
+          <a:p>
+            <a:r>
+              <a:rPr lang="en-US" dirty="0"/>
+              <a:t>- bars ~0.39–0.41 across network types (not near zero)</a:t>
+            </a:r>
+          </a:p>
+          <a:p>
+            <a:r>
+              <a:rPr lang="en-US" dirty="0"/>
+              <a:t>- Two TFT agents meeting → stable cooperation stream.</a:t>
+            </a:r>
+          </a:p>
+          <a:p>
+            <a:r>
+              <a:rPr lang="en-US" dirty="0"/>
+              <a:t>- Defectors can exploit once, but are punished immediately.</a:t>
+            </a:r>
+          </a:p>
+          <a:p>
+            <a:r>
+              <a:rPr lang="en-US" dirty="0"/>
+              <a:t>- On structured graphs (especially grids), TFT can form long-lived cooperative domains, sometimes approaching near-total cooperation.</a:t>
+            </a:r>
+          </a:p>
+          <a:p>
+            <a:br>
+              <a:rPr lang="en-US" dirty="0"/>
+            </a:br>
+            <a:endParaRPr lang="en-US" dirty="0"/>
+          </a:p>
+          <a:p>
+            <a:r>
+              <a:rPr lang="en-US" dirty="0"/>
+              <a:t>**Interpretation:** </a:t>
+            </a:r>
+          </a:p>
+          <a:p>
+            <a:r>
+              <a:rPr lang="en-US" dirty="0"/>
+              <a:t>TFT is a reciprocal enforcement mechanism that can stabilize cooperation even in PD-like environments.</a:t>
+            </a:r>
+          </a:p>
+          <a:p>
+            <a:br>
+              <a:rPr lang="en-US" dirty="0"/>
+            </a:br>
+            <a:endParaRPr lang="en-US" dirty="0"/>
+          </a:p>
+          <a:p>
+            <a:r>
+              <a:rPr lang="en-US" dirty="0"/>
+              <a:t>⸻</a:t>
+            </a:r>
+          </a:p>
+          <a:p>
+            <a:br>
+              <a:rPr lang="en-US" dirty="0"/>
+            </a:br>
+            <a:endParaRPr lang="en-US" dirty="0"/>
+          </a:p>
+          <a:p>
+            <a:r>
+              <a:rPr lang="en-US" dirty="0"/>
+              <a:t>### Axis C — Network topology: controls the spatial form of cooperation</a:t>
+            </a:r>
+          </a:p>
+          <a:p>
+            <a:br>
+              <a:rPr lang="en-US" dirty="0"/>
+            </a:br>
+            <a:endParaRPr lang="en-US" dirty="0"/>
+          </a:p>
+          <a:p>
+            <a:r>
+              <a:rPr lang="en-US" dirty="0"/>
+              <a:t>#### Erdős–Rényi (random)</a:t>
+            </a:r>
+          </a:p>
+          <a:p>
+            <a:br>
+              <a:rPr lang="en-US" dirty="0"/>
+            </a:br>
+            <a:endParaRPr lang="en-US" dirty="0"/>
+          </a:p>
+          <a:p>
+            <a:r>
+              <a:rPr lang="en-US" dirty="0"/>
+              <a:t>- Looks well-mixed (low clustering, short paths).</a:t>
+            </a:r>
+          </a:p>
+          <a:p>
+            <a:r>
+              <a:rPr lang="en-US" dirty="0"/>
+              <a:t>- Default + imitation → fast global collapse to defection (rapid sweep).</a:t>
+            </a:r>
+          </a:p>
+          <a:p>
+            <a:r>
+              <a:rPr lang="en-US" dirty="0"/>
+              <a:t>- Snowdrift → speckled shimmer of C/D (“salt-and-pepper” coexistence).</a:t>
+            </a:r>
+          </a:p>
+          <a:p>
+            <a:br>
+              <a:rPr lang="en-US" dirty="0"/>
+            </a:br>
+            <a:endParaRPr lang="en-US" dirty="0"/>
+          </a:p>
+          <a:p>
+            <a:r>
+              <a:rPr lang="en-US" dirty="0"/>
+              <a:t>**Visual signature:** fast mixing, mean-field-like behavior.</a:t>
+            </a:r>
+          </a:p>
+          <a:p>
+            <a:br>
+              <a:rPr lang="en-US" dirty="0"/>
+            </a:br>
+            <a:endParaRPr lang="en-US" dirty="0"/>
+          </a:p>
+          <a:p>
+            <a:r>
+              <a:rPr lang="en-US" dirty="0"/>
+              <a:t>⸻</a:t>
+            </a:r>
+          </a:p>
+          <a:p>
+            <a:br>
+              <a:rPr lang="en-US" dirty="0"/>
+            </a:br>
+            <a:endParaRPr lang="en-US" dirty="0"/>
+          </a:p>
+          <a:p>
+            <a:r>
+              <a:rPr lang="en-US" dirty="0"/>
+              <a:t>#### Grid (lattice)</a:t>
+            </a:r>
+          </a:p>
+          <a:p>
+            <a:br>
+              <a:rPr lang="en-US" dirty="0"/>
+            </a:br>
+            <a:endParaRPr lang="en-US" dirty="0"/>
+          </a:p>
+          <a:p>
+            <a:r>
+              <a:rPr lang="en-US" dirty="0"/>
+              <a:t>- Strong locality → spatial shielding and correlated neighborhoods.</a:t>
+            </a:r>
+          </a:p>
+          <a:p>
+            <a:r>
+              <a:rPr lang="en-US" dirty="0"/>
+              <a:t>- Produces domains/blobs of cooperators and defectors.</a:t>
+            </a:r>
+          </a:p>
+          <a:p>
+            <a:r>
+              <a:rPr lang="en-US" dirty="0"/>
+              <a:t>- Dynamics happen at interfaces:</a:t>
+            </a:r>
+          </a:p>
+          <a:p>
+            <a:r>
+              <a:rPr lang="en-US" dirty="0"/>
+              <a:t>- interiors persist,</a:t>
+            </a:r>
+          </a:p>
+          <a:p>
+            <a:r>
+              <a:rPr lang="en-US" dirty="0"/>
+              <a:t>- boundaries move, drift, reshape.</a:t>
+            </a:r>
+          </a:p>
+          <a:p>
+            <a:r>
+              <a:rPr lang="en-US" dirty="0"/>
+              <a:t>- Under TFT, cooperative clusters become fortress-like and can dominate.</a:t>
+            </a:r>
+          </a:p>
+          <a:p>
+            <a:br>
+              <a:rPr lang="en-US" dirty="0"/>
+            </a:br>
+            <a:endParaRPr lang="en-US" dirty="0"/>
+          </a:p>
+          <a:p>
+            <a:r>
+              <a:rPr lang="en-US" dirty="0"/>
+              <a:t>**Visual signature:** continents/blobs + slow boundary motion (coarsening).</a:t>
+            </a:r>
+          </a:p>
+          <a:p>
+            <a:br>
+              <a:rPr lang="en-US" dirty="0"/>
+            </a:br>
+            <a:endParaRPr lang="en-US" dirty="0"/>
+          </a:p>
+          <a:p>
+            <a:r>
+              <a:rPr lang="en-US" dirty="0"/>
+              <a:t>⸻</a:t>
+            </a:r>
+          </a:p>
+          <a:p>
+            <a:br>
+              <a:rPr lang="en-US" dirty="0"/>
+            </a:br>
+            <a:endParaRPr lang="en-US" dirty="0"/>
+          </a:p>
+          <a:p>
+            <a:r>
+              <a:rPr lang="en-US" dirty="0"/>
+              <a:t>#### Small-world</a:t>
+            </a:r>
+          </a:p>
+          <a:p>
+            <a:br>
+              <a:rPr lang="en-US" dirty="0"/>
+            </a:br>
+            <a:endParaRPr lang="en-US" dirty="0"/>
+          </a:p>
+          <a:p>
+            <a:r>
+              <a:rPr lang="en-US" dirty="0"/>
+              <a:t>- Hybrid of grid locality + random shortcuts.</a:t>
+            </a:r>
+          </a:p>
+          <a:p>
+            <a:r>
+              <a:rPr lang="en-US" dirty="0"/>
+              <a:t>- Still forms clusters, but shortcuts cause long-range invasions.</a:t>
+            </a:r>
+          </a:p>
+          <a:p>
+            <a:r>
+              <a:rPr lang="en-US" dirty="0"/>
+              <a:t>- More turbulent than grid, less well-mixed than ER.</a:t>
+            </a:r>
+          </a:p>
+          <a:p>
+            <a:br>
+              <a:rPr lang="en-US" dirty="0"/>
+            </a:br>
+            <a:endParaRPr lang="en-US" dirty="0"/>
+          </a:p>
+          <a:p>
+            <a:r>
+              <a:rPr lang="en-US" dirty="0"/>
+              <a:t>**Visual signature:** patches + sudden disruptions (“invasions through the air”).</a:t>
+            </a:r>
+          </a:p>
+          <a:p>
+            <a:br>
+              <a:rPr lang="en-US" dirty="0"/>
+            </a:br>
+            <a:endParaRPr lang="en-US" dirty="0"/>
+          </a:p>
+          <a:p>
+            <a:r>
+              <a:rPr lang="en-US" dirty="0"/>
+              <a:t>⸻</a:t>
+            </a:r>
+          </a:p>
+          <a:p>
+            <a:br>
+              <a:rPr lang="en-US" dirty="0"/>
+            </a:br>
+            <a:endParaRPr lang="en-US" dirty="0"/>
+          </a:p>
+          <a:p>
+            <a:r>
+              <a:rPr lang="en-US" dirty="0"/>
+              <a:t>### Regimes observed (mapping to your plots + GIFs)</a:t>
+            </a:r>
+          </a:p>
+          <a:p>
+            <a:br>
+              <a:rPr lang="en-US" dirty="0"/>
+            </a:br>
+            <a:endParaRPr lang="en-US" dirty="0"/>
+          </a:p>
+          <a:p>
+            <a:r>
+              <a:rPr lang="en-US" dirty="0"/>
+              <a:t>#### 1) Default PD + imitation (especially on ER): absorbing-state collapse</a:t>
+            </a:r>
+          </a:p>
+          <a:p>
+            <a:br>
+              <a:rPr lang="en-US" dirty="0"/>
+            </a:br>
+            <a:endParaRPr lang="en-US" dirty="0"/>
+          </a:p>
+          <a:p>
+            <a:r>
+              <a:rPr lang="en-US" dirty="0"/>
+              <a:t>- Starts mixed → defection spreads → cooperation collapses → ends near all-D.</a:t>
+            </a:r>
+          </a:p>
+          <a:p>
+            <a:r>
+              <a:rPr lang="en-US" dirty="0"/>
+              <a:t>- Mechanism: defection has consistent local advantage; imitation amplifies it; ER accelerates it via mixing.</a:t>
+            </a:r>
+          </a:p>
+          <a:p>
+            <a:br>
+              <a:rPr lang="en-US" dirty="0"/>
+            </a:br>
+            <a:endParaRPr lang="en-US" dirty="0"/>
+          </a:p>
+          <a:p>
+            <a:r>
+              <a:rPr lang="en-US" dirty="0"/>
+              <a:t>**Conclusion:** </a:t>
+            </a:r>
+          </a:p>
+          <a:p>
+            <a:r>
+              <a:rPr lang="en-US" dirty="0"/>
+              <a:t>PD + imitation ⇒ absorbing all-D, a correct “control experiment” where cooperation does not emerge.</a:t>
+            </a:r>
+          </a:p>
+          <a:p>
+            <a:br>
+              <a:rPr lang="en-US" dirty="0"/>
+            </a:br>
+            <a:endParaRPr lang="en-US" dirty="0"/>
+          </a:p>
+          <a:p>
+            <a:r>
+              <a:rPr lang="en-US" dirty="0"/>
+              <a:t>⸻</a:t>
+            </a:r>
+          </a:p>
+          <a:p>
+            <a:br>
+              <a:rPr lang="en-US" dirty="0"/>
+            </a:br>
+            <a:endParaRPr lang="en-US" dirty="0"/>
+          </a:p>
+          <a:p>
+            <a:r>
+              <a:rPr lang="en-US" dirty="0"/>
+              <a:t>#### 2) Snowdrift: active mixed phase (persistent fluctuations)</a:t>
+            </a:r>
+          </a:p>
+          <a:p>
+            <a:br>
+              <a:rPr lang="en-US" dirty="0"/>
+            </a:br>
+            <a:endParaRPr lang="en-US" dirty="0"/>
+          </a:p>
+          <a:p>
+            <a:r>
+              <a:rPr lang="en-US" dirty="0"/>
+              <a:t>- System does not freeze.</a:t>
+            </a:r>
+          </a:p>
+          <a:p>
+            <a:r>
+              <a:rPr lang="en-US" dirty="0"/>
+              <a:t>- Macroscopic observables fluctuate around a stable mean cooperation level.</a:t>
+            </a:r>
+          </a:p>
+          <a:p>
+            <a:r>
+              <a:rPr lang="en-US" dirty="0"/>
+              <a:t>- Microscopic updates continue indefinitely.</a:t>
+            </a:r>
+          </a:p>
+          <a:p>
+            <a:r>
+              <a:rPr lang="en-US" dirty="0"/>
+              <a:t>- Spatial domains appear clearly on structured networks:</a:t>
+            </a:r>
+          </a:p>
+          <a:p>
+            <a:r>
+              <a:rPr lang="en-US" dirty="0"/>
+              <a:t>- interior stable,</a:t>
+            </a:r>
+          </a:p>
+          <a:p>
+            <a:r>
+              <a:rPr lang="en-US" dirty="0"/>
+              <a:t>- evolution at interfaces.</a:t>
+            </a:r>
+          </a:p>
+          <a:p>
+            <a:br>
+              <a:rPr lang="en-US" dirty="0"/>
+            </a:br>
+            <a:endParaRPr lang="en-US" dirty="0"/>
+          </a:p>
+          <a:p>
+            <a:r>
+              <a:rPr lang="en-US" dirty="0"/>
+              <a:t>**Conclusion:** </a:t>
+            </a:r>
+          </a:p>
+          <a:p>
+            <a:r>
+              <a:rPr lang="en-US" dirty="0"/>
+              <a:t>Snowdrift produces a robust coexistence regime across architectures.</a:t>
+            </a:r>
+          </a:p>
+          <a:p>
+            <a:br>
+              <a:rPr lang="en-US" dirty="0"/>
+            </a:br>
+            <a:endParaRPr lang="en-US" dirty="0"/>
+          </a:p>
+          <a:p>
+            <a:r>
+              <a:rPr lang="en-US" dirty="0"/>
+              <a:t>⸻</a:t>
+            </a:r>
+          </a:p>
+          <a:p>
+            <a:br>
+              <a:rPr lang="en-US" dirty="0"/>
+            </a:br>
+            <a:endParaRPr lang="en-US" dirty="0"/>
+          </a:p>
+          <a:p>
+            <a:r>
+              <a:rPr lang="en-US" dirty="0"/>
+              <a:t>#### 3) TFT rescues cooperation in Default PD (reciprocity-stabilized coexistence)</a:t>
+            </a:r>
+          </a:p>
+          <a:p>
+            <a:br>
+              <a:rPr lang="en-US" dirty="0"/>
+            </a:br>
+            <a:endParaRPr lang="en-US" dirty="0"/>
+          </a:p>
+          <a:p>
+            <a:r>
+              <a:rPr lang="en-US" dirty="0"/>
+              <a:t>- No collapse to all-D even when defection is locally profitable.</a:t>
+            </a:r>
+          </a:p>
+          <a:p>
+            <a:r>
+              <a:rPr lang="en-US" dirty="0"/>
+              <a:t>- Cooperation survives at intermediate levels across architectures (~0.39–0.41).</a:t>
+            </a:r>
+          </a:p>
+          <a:p>
+            <a:r>
+              <a:rPr lang="en-US" dirty="0"/>
+              <a:t>- Grid + TFT strengthens stability: long-lived cooperative structures.</a:t>
+            </a:r>
+          </a:p>
+          <a:p>
+            <a:br>
+              <a:rPr lang="en-US" dirty="0"/>
+            </a:br>
+            <a:endParaRPr lang="en-US" dirty="0"/>
+          </a:p>
+          <a:p>
+            <a:r>
+              <a:rPr lang="en-US" dirty="0"/>
+              <a:t>**Conclusion:** </a:t>
+            </a:r>
+          </a:p>
+          <a:p>
+            <a:r>
+              <a:rPr lang="en-US" dirty="0"/>
+              <a:t>Reciprocity enforcement can stabilize cooperation even under adverse incentives.</a:t>
+            </a:r>
+          </a:p>
+          <a:p>
+            <a:br>
+              <a:rPr lang="en-US" dirty="0"/>
+            </a:br>
+            <a:endParaRPr lang="en-US" dirty="0"/>
+          </a:p>
+          <a:p>
+            <a:r>
+              <a:rPr lang="en-US" dirty="0"/>
+              <a:t>⸻</a:t>
+            </a:r>
+          </a:p>
+          <a:p>
+            <a:br>
+              <a:rPr lang="en-US" dirty="0"/>
+            </a:br>
+            <a:endParaRPr lang="en-US" dirty="0"/>
+          </a:p>
+          <a:p>
+            <a:r>
+              <a:rPr lang="en-US" dirty="0"/>
+              <a:t>### What “emergence of cooperation” means in your results (precisely)</a:t>
+            </a:r>
+          </a:p>
+          <a:p>
+            <a:br>
+              <a:rPr lang="en-US" dirty="0"/>
+            </a:br>
+            <a:endParaRPr lang="en-US" dirty="0"/>
+          </a:p>
+          <a:p>
+            <a:r>
+              <a:rPr lang="en-US" dirty="0"/>
+              <a:t>You observed three qualitatively distinct mechanisms:</a:t>
+            </a:r>
+          </a:p>
+          <a:p>
+            <a:br>
+              <a:rPr lang="en-US" dirty="0"/>
+            </a:br>
+            <a:endParaRPr lang="en-US" dirty="0"/>
+          </a:p>
+          <a:p>
+            <a:r>
+              <a:rPr lang="en-US" dirty="0"/>
+              <a:t>1. **Equilibrium coexistence (Snowdrift)** </a:t>
+            </a:r>
+          </a:p>
+          <a:p>
+            <a:r>
+              <a:rPr lang="en-US" dirty="0"/>
+              <a:t>Cooperation persists because the payoff structure supports a stable interior mixed equilibrium.</a:t>
+            </a:r>
+          </a:p>
+          <a:p>
+            <a:br>
+              <a:rPr lang="en-US" dirty="0"/>
+            </a:br>
+            <a:endParaRPr lang="en-US" dirty="0"/>
+          </a:p>
+          <a:p>
+            <a:r>
+              <a:rPr lang="en-US" dirty="0"/>
+              <a:t>2. **Reciprocity enforcement (Tit-for-Tat)** </a:t>
+            </a:r>
+          </a:p>
+          <a:p>
+            <a:r>
+              <a:rPr lang="en-US" dirty="0"/>
+              <a:t>Cooperation persists because retaliation prevents sustained exploitation, altering repeated-game incentives.</a:t>
+            </a:r>
+          </a:p>
+          <a:p>
+            <a:br>
+              <a:rPr lang="en-US" dirty="0"/>
+            </a:br>
+            <a:endParaRPr lang="en-US" dirty="0"/>
+          </a:p>
+          <a:p>
+            <a:r>
+              <a:rPr lang="en-US" dirty="0"/>
+              <a:t>3. **Selection-driven collapse (Default + imitation/RL)** </a:t>
+            </a:r>
+          </a:p>
+          <a:p>
+            <a:r>
+              <a:rPr lang="en-US" dirty="0"/>
+              <a:t>Cooperation fails because payoff-based adaptation amplifies local advantage and drives the system to the absorbing all-D state.</a:t>
+            </a:r>
+          </a:p>
+          <a:p>
+            <a:br>
+              <a:rPr lang="en-US" dirty="0"/>
+            </a:br>
+            <a:endParaRPr lang="en-US" dirty="0"/>
+          </a:p>
+          <a:p>
+            <a:r>
+              <a:rPr lang="en-US" dirty="0"/>
+              <a:t>So: </a:t>
+            </a:r>
+          </a:p>
+          <a:p>
+            <a:r>
+              <a:rPr lang="en-US" dirty="0"/>
+              <a:t>Cooperation emerges either because the game allows it (Snowdrift) or because strategy dynamics enforce it (TFT), while imitation/RL alone reproduces baseline equilibrium logic (defection in PD).</a:t>
+            </a:r>
+          </a:p>
+          <a:p>
+            <a:br>
+              <a:rPr lang="en-US" dirty="0"/>
+            </a:br>
+            <a:endParaRPr lang="en-US" dirty="0"/>
+          </a:p>
+          <a:p>
+            <a:r>
+              <a:rPr lang="en-US" dirty="0"/>
+              <a:t>⸻</a:t>
+            </a:r>
+          </a:p>
+          <a:p>
+            <a:br>
+              <a:rPr lang="en-US" dirty="0"/>
+            </a:br>
+            <a:endParaRPr lang="en-US" dirty="0"/>
+          </a:p>
+          <a:p>
+            <a:r>
+              <a:rPr lang="en-US" dirty="0"/>
+              <a:t>### Main results (report-ready)</a:t>
+            </a:r>
+          </a:p>
+          <a:p>
+            <a:br>
+              <a:rPr lang="en-US" dirty="0"/>
+            </a:br>
+            <a:endParaRPr lang="en-US" dirty="0"/>
+          </a:p>
+          <a:p>
+            <a:r>
+              <a:rPr lang="en-US" dirty="0"/>
+              <a:t>**Result 1 — Incentives dominate topology** </a:t>
+            </a:r>
+          </a:p>
+          <a:p>
+            <a:r>
+              <a:rPr lang="en-US" dirty="0"/>
+              <a:t>Across all network architectures, the payoff matrix determines whether cooperation is viable: Snowdrift supports stable mixed cooperation, while Default PD collapses under payoff-driven adaptation.</a:t>
+            </a:r>
+          </a:p>
+          <a:p>
+            <a:br>
+              <a:rPr lang="en-US" dirty="0"/>
+            </a:br>
+            <a:endParaRPr lang="en-US" dirty="0"/>
+          </a:p>
+          <a:p>
+            <a:r>
+              <a:rPr lang="en-US" dirty="0"/>
+              <a:t>**Result 2 — Reciprocity rules rescue cooperation even in PD** </a:t>
+            </a:r>
+          </a:p>
+          <a:p>
+            <a:r>
+              <a:rPr lang="en-US" dirty="0"/>
+              <a:t>Tit-for-Tat sustains intermediate cooperation even when payoff-driven learners converge to defection, showing that conditional reciprocity can stabilize cooperative clusters in adverse incentive environments.</a:t>
+            </a:r>
+          </a:p>
+          <a:p>
+            <a:br>
+              <a:rPr lang="en-US" dirty="0"/>
+            </a:br>
+            <a:endParaRPr lang="en-US" dirty="0"/>
+          </a:p>
+          <a:p>
+            <a:r>
+              <a:rPr lang="en-US" dirty="0"/>
+              <a:t>**Result 3 — Learning is not pro-social, it is pro-payoff** </a:t>
+            </a:r>
+          </a:p>
+          <a:p>
+            <a:r>
+              <a:rPr lang="en-US" dirty="0"/>
+              <a:t>Reinforcement learning yields high cooperation in Snowdrift but near-zero cooperation in Default, demonstrating that learning dynamics reproduce the equilibrium structure of the underlying game.</a:t>
+            </a:r>
+          </a:p>
+          <a:p>
+            <a:br>
+              <a:rPr lang="en-US" dirty="0"/>
+            </a:br>
+            <a:endParaRPr lang="en-US" dirty="0"/>
+          </a:p>
+          <a:p>
+            <a:r>
+              <a:rPr lang="en-US" dirty="0"/>
+              <a:t>**Result 4 — Network effects are secondary in this regime** </a:t>
+            </a:r>
+          </a:p>
+          <a:p>
+            <a:r>
+              <a:rPr lang="en-US" dirty="0"/>
+              <a:t>Differences between grid, random, small-world, and scale-free networks are present but modest compared to game and update-rule effects, implying that adaptation dynamics overpower structural clustering advantages here.</a:t>
+            </a:r>
+          </a:p>
+          <a:p>
+            <a:br>
+              <a:rPr lang="en-US" dirty="0"/>
+            </a:br>
+            <a:endParaRPr lang="en-US" dirty="0"/>
+          </a:p>
+          <a:p>
+            <a:r>
+              <a:rPr lang="en-US" dirty="0"/>
+              <a:t>⸻</a:t>
+            </a:r>
+          </a:p>
+          <a:p>
+            <a:br>
+              <a:rPr lang="en-US" dirty="0"/>
+            </a:br>
+            <a:endParaRPr lang="en-US" dirty="0"/>
+          </a:p>
+          <a:p>
+            <a:r>
+              <a:rPr lang="en-US" dirty="0"/>
+              <a:t>### One-sentence final claim (strong + correct)</a:t>
+            </a:r>
+          </a:p>
+          <a:p>
+            <a:br>
+              <a:rPr lang="en-US" dirty="0"/>
+            </a:br>
+            <a:endParaRPr lang="en-US" dirty="0"/>
+          </a:p>
+          <a:p>
+            <a:r>
+              <a:rPr lang="en-US" dirty="0"/>
+              <a:t>Cooperation emerges not because agents become altruistic, but because either the incentive structure supports stable coexistence (Snowdrift) or reciprocity prevents exploitation (Tit-for-Tat), while network topology mainly determines whether coexistence appears as fast well-mixed shimmer (ER) or slow domain/interface dynamics (grid/small-world).</a:t>
+            </a:r>
+          </a:p>
+          <a:p>
+            <a:br>
+              <a:rPr lang="en-US" dirty="0"/>
+            </a:br>
+            <a:endParaRPr lang="en-US" dirty="0"/>
+          </a:p>
+          <a:p>
+            <a:r>
+              <a:rPr lang="en-US" dirty="0"/>
+              <a:t>⸻</a:t>
+            </a:r>
+          </a:p>
+          <a:p>
+            <a:br>
+              <a:rPr lang="en-US" dirty="0"/>
+            </a:br>
+            <a:endParaRPr lang="en-US" dirty="0"/>
+          </a:p>
+          <a:p>
+            <a:r>
+              <a:rPr lang="en-US" dirty="0"/>
+              <a:t>### Complex-systems framing (optional but defensible)</a:t>
+            </a:r>
+          </a:p>
+          <a:p>
+            <a:br>
+              <a:rPr lang="en-US" dirty="0"/>
+            </a:br>
+            <a:endParaRPr lang="en-US" dirty="0"/>
+          </a:p>
+          <a:p>
+            <a:r>
+              <a:rPr lang="en-US" dirty="0"/>
+              <a:t>- Absorbing vs active phase:</a:t>
+            </a:r>
+          </a:p>
+          <a:p>
+            <a:r>
+              <a:rPr lang="en-US" dirty="0"/>
+              <a:t>- Default PD + imitation behaves like an absorbing-state system (all-D absorbing).</a:t>
+            </a:r>
+          </a:p>
+          <a:p>
+            <a:r>
+              <a:rPr lang="en-US" dirty="0"/>
+              <a:t>- Snowdrift behaves like an active mixed phase (persistent turnover).</a:t>
+            </a:r>
+          </a:p>
+          <a:p>
+            <a:r>
+              <a:rPr lang="en-US" dirty="0"/>
+              <a:t>- Order parameter: cooperation fraction C(t).</a:t>
+            </a:r>
+          </a:p>
+          <a:p>
+            <a:r>
+              <a:rPr lang="en-US" dirty="0"/>
+              <a:t>- Morphology matters: cluster size distribution, interface length, persistence times.</a:t>
+            </a:r>
+          </a:p>
+          <a:p>
+            <a:r>
+              <a:rPr lang="en-US" dirty="0"/>
+              <a:t>- Topology as a control parameter: moving grid → small-world → ER increases mixing, shifting from domain coarsening to mean-field speckle.</a:t>
+            </a:r>
+          </a:p>
+          <a:p>
+            <a:r>
+              <a:rPr lang="en-US" dirty="0"/>
+              <a:t>- Percolation intuition: on grids/small-world, cooperative clusters can become large and persistent; one can ask whether cooperative regions “span” the network (giant component / percolating cluster), even if mean cooperation &lt; 1.</a:t>
+            </a:r>
+          </a:p>
+          <a:p>
+            <a:br>
+              <a:rPr lang="en-US"/>
+            </a:br>
+            <a:br>
+              <a:rPr lang="en-US"/>
+            </a:br>
+            <a:endParaRPr lang="en-US"/>
+          </a:p>
+          <a:p>
+            <a:endParaRPr lang="en-US" dirty="0"/>
+          </a:p>
+        </p:txBody>
+      </p:sp>
+      <p:sp>
+        <p:nvSpPr>
+          <p:cNvPr id="3" name="Title 2">
+            <a:extLst>
+              <a:ext uri="{FF2B5EF4-FFF2-40B4-BE49-F238E27FC236}">
+                <a16:creationId xmlns:a16="http://schemas.microsoft.com/office/drawing/2014/main" id="{1F2B095C-0300-2D50-7553-F0465DDA6DE3}"/>
+              </a:ext>
+            </a:extLst>
+          </p:cNvPr>
+          <p:cNvSpPr>
+            <a:spLocks noGrp="1"/>
+          </p:cNvSpPr>
+          <p:nvPr>
+            <p:ph type="title"/>
+          </p:nvPr>
+        </p:nvSpPr>
+        <p:spPr/>
+        <p:txBody>
+          <a:bodyPr/>
+          <a:lstStyle/>
+          <a:p>
+            <a:endParaRPr lang="en-US"/>
+          </a:p>
+        </p:txBody>
+      </p:sp>
+    </p:spTree>
+    <p:extLst>
+      <p:ext uri="{BB962C8B-B14F-4D97-AF65-F5344CB8AC3E}">
+        <p14:creationId xmlns:p14="http://schemas.microsoft.com/office/powerpoint/2010/main" val="2364560042"/>
+      </p:ext>
+    </p:extLst>
+  </p:cSld>
+  <p:clrMapOvr>
+    <a:masterClrMapping/>
+  </p:clrMapOvr>
+</p:sld>
+</file>
+
+<file path=ppt/slides/slide3.xml><?xml version="1.0" encoding="utf-8"?>
+<p:sld xmlns:a="http://schemas.openxmlformats.org/drawingml/2006/main" xmlns:r="http://schemas.openxmlformats.org/officeDocument/2006/relationships" xmlns:p="http://schemas.openxmlformats.org/presentationml/2006/main">
+  <p:cSld>
+    <p:spTree>
+      <p:nvGrpSpPr>
+        <p:cNvPr id="1" name=""/>
+        <p:cNvGrpSpPr/>
+        <p:nvPr/>
+      </p:nvGrpSpPr>
+      <p:grpSpPr>
+        <a:xfrm>
+          <a:off x="0" y="0"/>
+          <a:ext cx="0" cy="0"/>
+          <a:chOff x="0" y="0"/>
+          <a:chExt cx="0" cy="0"/>
+        </a:xfrm>
+      </p:grpSpPr>
+      <p:sp>
+        <p:nvSpPr>
+          <p:cNvPr id="2" name="Content Placeholder 1">
+            <a:extLst>
+              <a:ext uri="{FF2B5EF4-FFF2-40B4-BE49-F238E27FC236}">
                 <a16:creationId xmlns:a16="http://schemas.microsoft.com/office/drawing/2014/main" id="{E53FC4FC-A246-571A-2064-8411EE6F167C}"/>
               </a:ext>
             </a:extLst>
@@ -19492,7 +20776,7 @@
 </p:sld>
 </file>
 
-<file path=ppt/slides/slide3.xml><?xml version="1.0" encoding="utf-8"?>
+<file path=ppt/slides/slide4.xml><?xml version="1.0" encoding="utf-8"?>
 <p:sld xmlns:a="http://schemas.openxmlformats.org/drawingml/2006/main" xmlns:r="http://schemas.openxmlformats.org/officeDocument/2006/relationships" xmlns:p="http://schemas.openxmlformats.org/presentationml/2006/main">
   <p:cSld>
     <p:spTree>
